--- a/lectures/SECURITY/slides/lecture08.pptx
+++ b/lectures/SECURITY/slides/lecture08.pptx
@@ -779,72 +779,46 @@
         </p:nvSpPr>
         <p:spPr/>
         <p:txBody>
-          <a:bodyPr>
-            <a:normAutofit/>
-          </a:bodyPr>
-          <a:lstStyle/>
-          <a:p>
+          <a:bodyPr/>
+          <a:lstStyle/>
+          <a:p>
+            <a:endParaRPr lang="en-US" dirty="0"/>
+          </a:p>
+        </p:txBody>
+      </p:sp>
+      <p:sp>
+        <p:nvSpPr>
+          <p:cNvPr id="4" name="Slide Number Placeholder 3"/>
+          <p:cNvSpPr>
+            <a:spLocks noGrp="1"/>
+          </p:cNvSpPr>
+          <p:nvPr>
+            <p:ph type="sldNum" sz="quarter" idx="10"/>
+          </p:nvPr>
+        </p:nvSpPr>
+        <p:spPr/>
+        <p:txBody>
+          <a:bodyPr/>
+          <a:lstStyle/>
+          <a:p>
+            <a:pPr>
+              <a:defRPr/>
+            </a:pPr>
+            <a:fld id="{6C5E691F-4323-43AC-AA77-0E64A351A949}" type="slidenum">
+              <a:rPr lang="en-US" smtClean="0"/>
+              <a:pPr>
+                <a:defRPr/>
+              </a:pPr>
+              <a:t>3</a:t>
+            </a:fld>
             <a:endParaRPr lang="en-US"/>
-          </a:p>
-        </p:txBody>
-      </p:sp>
-      <p:sp>
-        <p:nvSpPr>
-          <p:cNvPr id="4" name="Footer Placeholder 3"/>
-          <p:cNvSpPr>
-            <a:spLocks noGrp="1"/>
-          </p:cNvSpPr>
-          <p:nvPr>
-            <p:ph type="ftr" sz="quarter" idx="10"/>
-          </p:nvPr>
-        </p:nvSpPr>
-        <p:spPr/>
-        <p:txBody>
-          <a:bodyPr/>
-          <a:lstStyle/>
-          <a:p>
-            <a:r>
-              <a:rPr lang="en-US" smtClean="0"/>
-              <a:t>Copyright © 2003 M. E. Kabay.                                                            All rights reserved.</a:t>
-            </a:r>
-            <a:endParaRPr lang="en-US"/>
-          </a:p>
-        </p:txBody>
-      </p:sp>
-      <p:sp>
-        <p:nvSpPr>
-          <p:cNvPr id="5" name="Slide Number Placeholder 4"/>
-          <p:cNvSpPr>
-            <a:spLocks noGrp="1"/>
-          </p:cNvSpPr>
-          <p:nvPr>
-            <p:ph type="sldNum" sz="quarter" idx="11"/>
-          </p:nvPr>
-        </p:nvSpPr>
-        <p:spPr/>
-        <p:txBody>
-          <a:bodyPr/>
-          <a:lstStyle/>
-          <a:p>
-            <a:r>
-              <a:rPr lang="en-US" dirty="0" smtClean="0"/>
-              <a:t>1-</a:t>
-            </a:r>
-            <a:fld id="{80164308-5F42-4DD1-B0D4-C3692C775A93}" type="slidenum">
-              <a:rPr lang="en-US" smtClean="0"/>
-              <a:pPr/>
-              <a:t>16</a:t>
-            </a:fld>
-            <a:endParaRPr lang="en-US" dirty="0">
-              <a:latin typeface="Times New Roman" charset="0"/>
-            </a:endParaRPr>
           </a:p>
         </p:txBody>
       </p:sp>
     </p:spTree>
     <p:extLst>
       <p:ext uri="{BB962C8B-B14F-4D97-AF65-F5344CB8AC3E}">
-        <p14:creationId xmlns:p14="http://schemas.microsoft.com/office/powerpoint/2010/main" val="196614226"/>
+        <p14:creationId xmlns:p14="http://schemas.microsoft.com/office/powerpoint/2010/main" val="2085778298"/>
       </p:ext>
     </p:extLst>
   </p:cSld>
@@ -949,7 +923,7 @@
             <a:fld id="{80164308-5F42-4DD1-B0D4-C3692C775A93}" type="slidenum">
               <a:rPr lang="en-US" smtClean="0"/>
               <a:pPr/>
-              <a:t>25</a:t>
+              <a:t>24</a:t>
             </a:fld>
             <a:endParaRPr lang="en-US" dirty="0">
               <a:latin typeface="Times New Roman" charset="0"/>
@@ -960,7 +934,7 @@
     </p:spTree>
     <p:extLst>
       <p:ext uri="{BB962C8B-B14F-4D97-AF65-F5344CB8AC3E}">
-        <p14:creationId xmlns:p14="http://schemas.microsoft.com/office/powerpoint/2010/main" val="124870559"/>
+        <p14:creationId xmlns:p14="http://schemas.microsoft.com/office/powerpoint/2010/main" val="1859234808"/>
       </p:ext>
     </p:extLst>
   </p:cSld>
@@ -1065,7 +1039,7 @@
             <a:fld id="{80164308-5F42-4DD1-B0D4-C3692C775A93}" type="slidenum">
               <a:rPr lang="en-US" smtClean="0"/>
               <a:pPr/>
-              <a:t>26</a:t>
+              <a:t>25</a:t>
             </a:fld>
             <a:endParaRPr lang="en-US" dirty="0">
               <a:latin typeface="Times New Roman" charset="0"/>
@@ -1076,7 +1050,7 @@
     </p:spTree>
     <p:extLst>
       <p:ext uri="{BB962C8B-B14F-4D97-AF65-F5344CB8AC3E}">
-        <p14:creationId xmlns:p14="http://schemas.microsoft.com/office/powerpoint/2010/main" val="607961994"/>
+        <p14:creationId xmlns:p14="http://schemas.microsoft.com/office/powerpoint/2010/main" val="124870559"/>
       </p:ext>
     </p:extLst>
   </p:cSld>
@@ -1181,7 +1155,7 @@
             <a:fld id="{80164308-5F42-4DD1-B0D4-C3692C775A93}" type="slidenum">
               <a:rPr lang="en-US" smtClean="0"/>
               <a:pPr/>
-              <a:t>27</a:t>
+              <a:t>26</a:t>
             </a:fld>
             <a:endParaRPr lang="en-US" dirty="0">
               <a:latin typeface="Times New Roman" charset="0"/>
@@ -1192,7 +1166,7 @@
     </p:spTree>
     <p:extLst>
       <p:ext uri="{BB962C8B-B14F-4D97-AF65-F5344CB8AC3E}">
-        <p14:creationId xmlns:p14="http://schemas.microsoft.com/office/powerpoint/2010/main" val="290040732"/>
+        <p14:creationId xmlns:p14="http://schemas.microsoft.com/office/powerpoint/2010/main" val="607961994"/>
       </p:ext>
     </p:extLst>
   </p:cSld>
@@ -1297,7 +1271,7 @@
             <a:fld id="{80164308-5F42-4DD1-B0D4-C3692C775A93}" type="slidenum">
               <a:rPr lang="en-US" smtClean="0"/>
               <a:pPr/>
-              <a:t>28</a:t>
+              <a:t>27</a:t>
             </a:fld>
             <a:endParaRPr lang="en-US" dirty="0">
               <a:latin typeface="Times New Roman" charset="0"/>
@@ -1308,7 +1282,7 @@
     </p:spTree>
     <p:extLst>
       <p:ext uri="{BB962C8B-B14F-4D97-AF65-F5344CB8AC3E}">
-        <p14:creationId xmlns:p14="http://schemas.microsoft.com/office/powerpoint/2010/main" val="2074187681"/>
+        <p14:creationId xmlns:p14="http://schemas.microsoft.com/office/powerpoint/2010/main" val="290040732"/>
       </p:ext>
     </p:extLst>
   </p:cSld>
@@ -1413,7 +1387,7 @@
             <a:fld id="{80164308-5F42-4DD1-B0D4-C3692C775A93}" type="slidenum">
               <a:rPr lang="en-US" smtClean="0"/>
               <a:pPr/>
-              <a:t>29</a:t>
+              <a:t>28</a:t>
             </a:fld>
             <a:endParaRPr lang="en-US" dirty="0">
               <a:latin typeface="Times New Roman" charset="0"/>
@@ -1424,7 +1398,7 @@
     </p:spTree>
     <p:extLst>
       <p:ext uri="{BB962C8B-B14F-4D97-AF65-F5344CB8AC3E}">
-        <p14:creationId xmlns:p14="http://schemas.microsoft.com/office/powerpoint/2010/main" val="770312816"/>
+        <p14:creationId xmlns:p14="http://schemas.microsoft.com/office/powerpoint/2010/main" val="2074187681"/>
       </p:ext>
     </p:extLst>
   </p:cSld>
@@ -1529,7 +1503,7 @@
             <a:fld id="{80164308-5F42-4DD1-B0D4-C3692C775A93}" type="slidenum">
               <a:rPr lang="en-US" smtClean="0"/>
               <a:pPr/>
-              <a:t>30</a:t>
+              <a:t>29</a:t>
             </a:fld>
             <a:endParaRPr lang="en-US" dirty="0">
               <a:latin typeface="Times New Roman" charset="0"/>
@@ -1540,7 +1514,7 @@
     </p:spTree>
     <p:extLst>
       <p:ext uri="{BB962C8B-B14F-4D97-AF65-F5344CB8AC3E}">
-        <p14:creationId xmlns:p14="http://schemas.microsoft.com/office/powerpoint/2010/main" val="1616074396"/>
+        <p14:creationId xmlns:p14="http://schemas.microsoft.com/office/powerpoint/2010/main" val="770312816"/>
       </p:ext>
     </p:extLst>
   </p:cSld>
@@ -1645,7 +1619,7 @@
             <a:fld id="{80164308-5F42-4DD1-B0D4-C3692C775A93}" type="slidenum">
               <a:rPr lang="en-US" smtClean="0"/>
               <a:pPr/>
-              <a:t>31</a:t>
+              <a:t>30</a:t>
             </a:fld>
             <a:endParaRPr lang="en-US" dirty="0">
               <a:latin typeface="Times New Roman" charset="0"/>
@@ -1656,7 +1630,7 @@
     </p:spTree>
     <p:extLst>
       <p:ext uri="{BB962C8B-B14F-4D97-AF65-F5344CB8AC3E}">
-        <p14:creationId xmlns:p14="http://schemas.microsoft.com/office/powerpoint/2010/main" val="2136689963"/>
+        <p14:creationId xmlns:p14="http://schemas.microsoft.com/office/powerpoint/2010/main" val="1616074396"/>
       </p:ext>
     </p:extLst>
   </p:cSld>
@@ -1761,7 +1735,7 @@
             <a:fld id="{80164308-5F42-4DD1-B0D4-C3692C775A93}" type="slidenum">
               <a:rPr lang="en-US" smtClean="0"/>
               <a:pPr/>
-              <a:t>32</a:t>
+              <a:t>31</a:t>
             </a:fld>
             <a:endParaRPr lang="en-US" dirty="0">
               <a:latin typeface="Times New Roman" charset="0"/>
@@ -1772,7 +1746,7 @@
     </p:spTree>
     <p:extLst>
       <p:ext uri="{BB962C8B-B14F-4D97-AF65-F5344CB8AC3E}">
-        <p14:creationId xmlns:p14="http://schemas.microsoft.com/office/powerpoint/2010/main" val="1126663007"/>
+        <p14:creationId xmlns:p14="http://schemas.microsoft.com/office/powerpoint/2010/main" val="2136689963"/>
       </p:ext>
     </p:extLst>
   </p:cSld>
@@ -1877,7 +1851,7 @@
             <a:fld id="{80164308-5F42-4DD1-B0D4-C3692C775A93}" type="slidenum">
               <a:rPr lang="en-US" smtClean="0"/>
               <a:pPr/>
-              <a:t>33</a:t>
+              <a:t>32</a:t>
             </a:fld>
             <a:endParaRPr lang="en-US" dirty="0">
               <a:latin typeface="Times New Roman" charset="0"/>
@@ -1888,7 +1862,7 @@
     </p:spTree>
     <p:extLst>
       <p:ext uri="{BB962C8B-B14F-4D97-AF65-F5344CB8AC3E}">
-        <p14:creationId xmlns:p14="http://schemas.microsoft.com/office/powerpoint/2010/main" val="1461843050"/>
+        <p14:creationId xmlns:p14="http://schemas.microsoft.com/office/powerpoint/2010/main" val="1126663007"/>
       </p:ext>
     </p:extLst>
   </p:cSld>
@@ -1993,7 +1967,7 @@
             <a:fld id="{80164308-5F42-4DD1-B0D4-C3692C775A93}" type="slidenum">
               <a:rPr lang="en-US" smtClean="0"/>
               <a:pPr/>
-              <a:t>34</a:t>
+              <a:t>33</a:t>
             </a:fld>
             <a:endParaRPr lang="en-US" dirty="0">
               <a:latin typeface="Times New Roman" charset="0"/>
@@ -2004,7 +1978,7 @@
     </p:spTree>
     <p:extLst>
       <p:ext uri="{BB962C8B-B14F-4D97-AF65-F5344CB8AC3E}">
-        <p14:creationId xmlns:p14="http://schemas.microsoft.com/office/powerpoint/2010/main" val="1983219670"/>
+        <p14:creationId xmlns:p14="http://schemas.microsoft.com/office/powerpoint/2010/main" val="1461843050"/>
       </p:ext>
     </p:extLst>
   </p:cSld>
@@ -2109,7 +2083,7 @@
             <a:fld id="{80164308-5F42-4DD1-B0D4-C3692C775A93}" type="slidenum">
               <a:rPr lang="en-US" smtClean="0"/>
               <a:pPr/>
-              <a:t>17</a:t>
+              <a:t>16</a:t>
             </a:fld>
             <a:endParaRPr lang="en-US" dirty="0">
               <a:latin typeface="Times New Roman" charset="0"/>
@@ -2120,7 +2094,7 @@
     </p:spTree>
     <p:extLst>
       <p:ext uri="{BB962C8B-B14F-4D97-AF65-F5344CB8AC3E}">
-        <p14:creationId xmlns:p14="http://schemas.microsoft.com/office/powerpoint/2010/main" val="1665447296"/>
+        <p14:creationId xmlns:p14="http://schemas.microsoft.com/office/powerpoint/2010/main" val="196614226"/>
       </p:ext>
     </p:extLst>
   </p:cSld>
@@ -2225,7 +2199,7 @@
             <a:fld id="{80164308-5F42-4DD1-B0D4-C3692C775A93}" type="slidenum">
               <a:rPr lang="en-US" smtClean="0"/>
               <a:pPr/>
-              <a:t>35</a:t>
+              <a:t>34</a:t>
             </a:fld>
             <a:endParaRPr lang="en-US" dirty="0">
               <a:latin typeface="Times New Roman" charset="0"/>
@@ -2236,7 +2210,7 @@
     </p:spTree>
     <p:extLst>
       <p:ext uri="{BB962C8B-B14F-4D97-AF65-F5344CB8AC3E}">
-        <p14:creationId xmlns:p14="http://schemas.microsoft.com/office/powerpoint/2010/main" val="879308603"/>
+        <p14:creationId xmlns:p14="http://schemas.microsoft.com/office/powerpoint/2010/main" val="1983219670"/>
       </p:ext>
     </p:extLst>
   </p:cSld>
@@ -2341,7 +2315,7 @@
             <a:fld id="{80164308-5F42-4DD1-B0D4-C3692C775A93}" type="slidenum">
               <a:rPr lang="en-US" smtClean="0"/>
               <a:pPr/>
-              <a:t>36</a:t>
+              <a:t>35</a:t>
             </a:fld>
             <a:endParaRPr lang="en-US" dirty="0">
               <a:latin typeface="Times New Roman" charset="0"/>
@@ -2352,7 +2326,7 @@
     </p:spTree>
     <p:extLst>
       <p:ext uri="{BB962C8B-B14F-4D97-AF65-F5344CB8AC3E}">
-        <p14:creationId xmlns:p14="http://schemas.microsoft.com/office/powerpoint/2010/main" val="1704715614"/>
+        <p14:creationId xmlns:p14="http://schemas.microsoft.com/office/powerpoint/2010/main" val="879308603"/>
       </p:ext>
     </p:extLst>
   </p:cSld>
@@ -2457,7 +2431,7 @@
             <a:fld id="{80164308-5F42-4DD1-B0D4-C3692C775A93}" type="slidenum">
               <a:rPr lang="en-US" smtClean="0"/>
               <a:pPr/>
-              <a:t>37</a:t>
+              <a:t>36</a:t>
             </a:fld>
             <a:endParaRPr lang="en-US" dirty="0">
               <a:latin typeface="Times New Roman" charset="0"/>
@@ -2468,7 +2442,7 @@
     </p:spTree>
     <p:extLst>
       <p:ext uri="{BB962C8B-B14F-4D97-AF65-F5344CB8AC3E}">
-        <p14:creationId xmlns:p14="http://schemas.microsoft.com/office/powerpoint/2010/main" val="1575989871"/>
+        <p14:creationId xmlns:p14="http://schemas.microsoft.com/office/powerpoint/2010/main" val="1704715614"/>
       </p:ext>
     </p:extLst>
   </p:cSld>
@@ -2573,7 +2547,7 @@
             <a:fld id="{80164308-5F42-4DD1-B0D4-C3692C775A93}" type="slidenum">
               <a:rPr lang="en-US" smtClean="0"/>
               <a:pPr/>
-              <a:t>38</a:t>
+              <a:t>37</a:t>
             </a:fld>
             <a:endParaRPr lang="en-US" dirty="0">
               <a:latin typeface="Times New Roman" charset="0"/>
@@ -2584,7 +2558,7 @@
     </p:spTree>
     <p:extLst>
       <p:ext uri="{BB962C8B-B14F-4D97-AF65-F5344CB8AC3E}">
-        <p14:creationId xmlns:p14="http://schemas.microsoft.com/office/powerpoint/2010/main" val="598459799"/>
+        <p14:creationId xmlns:p14="http://schemas.microsoft.com/office/powerpoint/2010/main" val="1575989871"/>
       </p:ext>
     </p:extLst>
   </p:cSld>
@@ -2689,7 +2663,7 @@
             <a:fld id="{80164308-5F42-4DD1-B0D4-C3692C775A93}" type="slidenum">
               <a:rPr lang="en-US" smtClean="0"/>
               <a:pPr/>
-              <a:t>39</a:t>
+              <a:t>38</a:t>
             </a:fld>
             <a:endParaRPr lang="en-US" dirty="0">
               <a:latin typeface="Times New Roman" charset="0"/>
@@ -2700,7 +2674,7 @@
     </p:spTree>
     <p:extLst>
       <p:ext uri="{BB962C8B-B14F-4D97-AF65-F5344CB8AC3E}">
-        <p14:creationId xmlns:p14="http://schemas.microsoft.com/office/powerpoint/2010/main" val="1647922892"/>
+        <p14:creationId xmlns:p14="http://schemas.microsoft.com/office/powerpoint/2010/main" val="598459799"/>
       </p:ext>
     </p:extLst>
   </p:cSld>
@@ -2805,7 +2779,7 @@
             <a:fld id="{80164308-5F42-4DD1-B0D4-C3692C775A93}" type="slidenum">
               <a:rPr lang="en-US" smtClean="0"/>
               <a:pPr/>
-              <a:t>40</a:t>
+              <a:t>39</a:t>
             </a:fld>
             <a:endParaRPr lang="en-US" dirty="0">
               <a:latin typeface="Times New Roman" charset="0"/>
@@ -2816,7 +2790,7 @@
     </p:spTree>
     <p:extLst>
       <p:ext uri="{BB962C8B-B14F-4D97-AF65-F5344CB8AC3E}">
-        <p14:creationId xmlns:p14="http://schemas.microsoft.com/office/powerpoint/2010/main" val="543450485"/>
+        <p14:creationId xmlns:p14="http://schemas.microsoft.com/office/powerpoint/2010/main" val="1647922892"/>
       </p:ext>
     </p:extLst>
   </p:cSld>
@@ -2921,7 +2895,7 @@
             <a:fld id="{80164308-5F42-4DD1-B0D4-C3692C775A93}" type="slidenum">
               <a:rPr lang="en-US" smtClean="0"/>
               <a:pPr/>
-              <a:t>41</a:t>
+              <a:t>40</a:t>
             </a:fld>
             <a:endParaRPr lang="en-US" dirty="0">
               <a:latin typeface="Times New Roman" charset="0"/>
@@ -2932,7 +2906,7 @@
     </p:spTree>
     <p:extLst>
       <p:ext uri="{BB962C8B-B14F-4D97-AF65-F5344CB8AC3E}">
-        <p14:creationId xmlns:p14="http://schemas.microsoft.com/office/powerpoint/2010/main" val="524350704"/>
+        <p14:creationId xmlns:p14="http://schemas.microsoft.com/office/powerpoint/2010/main" val="543450485"/>
       </p:ext>
     </p:extLst>
   </p:cSld>
@@ -3037,7 +3011,7 @@
             <a:fld id="{80164308-5F42-4DD1-B0D4-C3692C775A93}" type="slidenum">
               <a:rPr lang="en-US" smtClean="0"/>
               <a:pPr/>
-              <a:t>42</a:t>
+              <a:t>41</a:t>
             </a:fld>
             <a:endParaRPr lang="en-US" dirty="0">
               <a:latin typeface="Times New Roman" charset="0"/>
@@ -3048,7 +3022,7 @@
     </p:spTree>
     <p:extLst>
       <p:ext uri="{BB962C8B-B14F-4D97-AF65-F5344CB8AC3E}">
-        <p14:creationId xmlns:p14="http://schemas.microsoft.com/office/powerpoint/2010/main" val="1636878487"/>
+        <p14:creationId xmlns:p14="http://schemas.microsoft.com/office/powerpoint/2010/main" val="524350704"/>
       </p:ext>
     </p:extLst>
   </p:cSld>
@@ -3153,7 +3127,7 @@
             <a:fld id="{80164308-5F42-4DD1-B0D4-C3692C775A93}" type="slidenum">
               <a:rPr lang="en-US" smtClean="0"/>
               <a:pPr/>
-              <a:t>43</a:t>
+              <a:t>42</a:t>
             </a:fld>
             <a:endParaRPr lang="en-US" dirty="0">
               <a:latin typeface="Times New Roman" charset="0"/>
@@ -3164,7 +3138,7 @@
     </p:spTree>
     <p:extLst>
       <p:ext uri="{BB962C8B-B14F-4D97-AF65-F5344CB8AC3E}">
-        <p14:creationId xmlns:p14="http://schemas.microsoft.com/office/powerpoint/2010/main" val="1751212939"/>
+        <p14:creationId xmlns:p14="http://schemas.microsoft.com/office/powerpoint/2010/main" val="1636878487"/>
       </p:ext>
     </p:extLst>
   </p:cSld>
@@ -3269,7 +3243,7 @@
             <a:fld id="{80164308-5F42-4DD1-B0D4-C3692C775A93}" type="slidenum">
               <a:rPr lang="en-US" smtClean="0"/>
               <a:pPr/>
-              <a:t>44</a:t>
+              <a:t>43</a:t>
             </a:fld>
             <a:endParaRPr lang="en-US" dirty="0">
               <a:latin typeface="Times New Roman" charset="0"/>
@@ -3280,7 +3254,7 @@
     </p:spTree>
     <p:extLst>
       <p:ext uri="{BB962C8B-B14F-4D97-AF65-F5344CB8AC3E}">
-        <p14:creationId xmlns:p14="http://schemas.microsoft.com/office/powerpoint/2010/main" val="1372483638"/>
+        <p14:creationId xmlns:p14="http://schemas.microsoft.com/office/powerpoint/2010/main" val="1751212939"/>
       </p:ext>
     </p:extLst>
   </p:cSld>
@@ -3385,7 +3359,7 @@
             <a:fld id="{80164308-5F42-4DD1-B0D4-C3692C775A93}" type="slidenum">
               <a:rPr lang="en-US" smtClean="0"/>
               <a:pPr/>
-              <a:t>18</a:t>
+              <a:t>17</a:t>
             </a:fld>
             <a:endParaRPr lang="en-US" dirty="0">
               <a:latin typeface="Times New Roman" charset="0"/>
@@ -3396,7 +3370,7 @@
     </p:spTree>
     <p:extLst>
       <p:ext uri="{BB962C8B-B14F-4D97-AF65-F5344CB8AC3E}">
-        <p14:creationId xmlns:p14="http://schemas.microsoft.com/office/powerpoint/2010/main" val="870848874"/>
+        <p14:creationId xmlns:p14="http://schemas.microsoft.com/office/powerpoint/2010/main" val="1665447296"/>
       </p:ext>
     </p:extLst>
   </p:cSld>
@@ -3501,7 +3475,7 @@
             <a:fld id="{80164308-5F42-4DD1-B0D4-C3692C775A93}" type="slidenum">
               <a:rPr lang="en-US" smtClean="0"/>
               <a:pPr/>
-              <a:t>45</a:t>
+              <a:t>44</a:t>
             </a:fld>
             <a:endParaRPr lang="en-US" dirty="0">
               <a:latin typeface="Times New Roman" charset="0"/>
@@ -3512,7 +3486,7 @@
     </p:spTree>
     <p:extLst>
       <p:ext uri="{BB962C8B-B14F-4D97-AF65-F5344CB8AC3E}">
-        <p14:creationId xmlns:p14="http://schemas.microsoft.com/office/powerpoint/2010/main" val="1210651439"/>
+        <p14:creationId xmlns:p14="http://schemas.microsoft.com/office/powerpoint/2010/main" val="1372483638"/>
       </p:ext>
     </p:extLst>
   </p:cSld>
@@ -3617,7 +3591,7 @@
             <a:fld id="{80164308-5F42-4DD1-B0D4-C3692C775A93}" type="slidenum">
               <a:rPr lang="en-US" smtClean="0"/>
               <a:pPr/>
-              <a:t>46</a:t>
+              <a:t>45</a:t>
             </a:fld>
             <a:endParaRPr lang="en-US" dirty="0">
               <a:latin typeface="Times New Roman" charset="0"/>
@@ -3628,7 +3602,7 @@
     </p:spTree>
     <p:extLst>
       <p:ext uri="{BB962C8B-B14F-4D97-AF65-F5344CB8AC3E}">
-        <p14:creationId xmlns:p14="http://schemas.microsoft.com/office/powerpoint/2010/main" val="11179948"/>
+        <p14:creationId xmlns:p14="http://schemas.microsoft.com/office/powerpoint/2010/main" val="1210651439"/>
       </p:ext>
     </p:extLst>
   </p:cSld>
@@ -3733,7 +3707,7 @@
             <a:fld id="{80164308-5F42-4DD1-B0D4-C3692C775A93}" type="slidenum">
               <a:rPr lang="en-US" smtClean="0"/>
               <a:pPr/>
-              <a:t>47</a:t>
+              <a:t>46</a:t>
             </a:fld>
             <a:endParaRPr lang="en-US" dirty="0">
               <a:latin typeface="Times New Roman" charset="0"/>
@@ -3744,7 +3718,7 @@
     </p:spTree>
     <p:extLst>
       <p:ext uri="{BB962C8B-B14F-4D97-AF65-F5344CB8AC3E}">
-        <p14:creationId xmlns:p14="http://schemas.microsoft.com/office/powerpoint/2010/main" val="1356083557"/>
+        <p14:creationId xmlns:p14="http://schemas.microsoft.com/office/powerpoint/2010/main" val="11179948"/>
       </p:ext>
     </p:extLst>
   </p:cSld>
@@ -3849,7 +3823,7 @@
             <a:fld id="{80164308-5F42-4DD1-B0D4-C3692C775A93}" type="slidenum">
               <a:rPr lang="en-US" smtClean="0"/>
               <a:pPr/>
-              <a:t>48</a:t>
+              <a:t>47</a:t>
             </a:fld>
             <a:endParaRPr lang="en-US" dirty="0">
               <a:latin typeface="Times New Roman" charset="0"/>
@@ -3860,7 +3834,7 @@
     </p:spTree>
     <p:extLst>
       <p:ext uri="{BB962C8B-B14F-4D97-AF65-F5344CB8AC3E}">
-        <p14:creationId xmlns:p14="http://schemas.microsoft.com/office/powerpoint/2010/main" val="452396888"/>
+        <p14:creationId xmlns:p14="http://schemas.microsoft.com/office/powerpoint/2010/main" val="1356083557"/>
       </p:ext>
     </p:extLst>
   </p:cSld>
@@ -3965,7 +3939,7 @@
             <a:fld id="{80164308-5F42-4DD1-B0D4-C3692C775A93}" type="slidenum">
               <a:rPr lang="en-US" smtClean="0"/>
               <a:pPr/>
-              <a:t>49</a:t>
+              <a:t>48</a:t>
             </a:fld>
             <a:endParaRPr lang="en-US" dirty="0">
               <a:latin typeface="Times New Roman" charset="0"/>
@@ -3976,7 +3950,7 @@
     </p:spTree>
     <p:extLst>
       <p:ext uri="{BB962C8B-B14F-4D97-AF65-F5344CB8AC3E}">
-        <p14:creationId xmlns:p14="http://schemas.microsoft.com/office/powerpoint/2010/main" val="1342386236"/>
+        <p14:creationId xmlns:p14="http://schemas.microsoft.com/office/powerpoint/2010/main" val="452396888"/>
       </p:ext>
     </p:extLst>
   </p:cSld>
@@ -4081,7 +4055,7 @@
             <a:fld id="{80164308-5F42-4DD1-B0D4-C3692C775A93}" type="slidenum">
               <a:rPr lang="en-US" smtClean="0"/>
               <a:pPr/>
-              <a:t>50</a:t>
+              <a:t>49</a:t>
             </a:fld>
             <a:endParaRPr lang="en-US" dirty="0">
               <a:latin typeface="Times New Roman" charset="0"/>
@@ -4092,7 +4066,7 @@
     </p:spTree>
     <p:extLst>
       <p:ext uri="{BB962C8B-B14F-4D97-AF65-F5344CB8AC3E}">
-        <p14:creationId xmlns:p14="http://schemas.microsoft.com/office/powerpoint/2010/main" val="22273070"/>
+        <p14:creationId xmlns:p14="http://schemas.microsoft.com/office/powerpoint/2010/main" val="1342386236"/>
       </p:ext>
     </p:extLst>
   </p:cSld>
@@ -4197,6 +4171,122 @@
             <a:fld id="{80164308-5F42-4DD1-B0D4-C3692C775A93}" type="slidenum">
               <a:rPr lang="en-US" smtClean="0"/>
               <a:pPr/>
+              <a:t>50</a:t>
+            </a:fld>
+            <a:endParaRPr lang="en-US" dirty="0">
+              <a:latin typeface="Times New Roman" charset="0"/>
+            </a:endParaRPr>
+          </a:p>
+        </p:txBody>
+      </p:sp>
+    </p:spTree>
+    <p:extLst>
+      <p:ext uri="{BB962C8B-B14F-4D97-AF65-F5344CB8AC3E}">
+        <p14:creationId xmlns:p14="http://schemas.microsoft.com/office/powerpoint/2010/main" val="22273070"/>
+      </p:ext>
+    </p:extLst>
+  </p:cSld>
+  <p:clrMapOvr>
+    <a:masterClrMapping/>
+  </p:clrMapOvr>
+</p:notes>
+</file>
+
+<file path=ppt/notesSlides/notesSlide37.xml><?xml version="1.0" encoding="utf-8"?>
+<p:notes xmlns:a="http://schemas.openxmlformats.org/drawingml/2006/main" xmlns:r="http://schemas.openxmlformats.org/officeDocument/2006/relationships" xmlns:p="http://schemas.openxmlformats.org/presentationml/2006/main">
+  <p:cSld>
+    <p:spTree>
+      <p:nvGrpSpPr>
+        <p:cNvPr id="1" name=""/>
+        <p:cNvGrpSpPr/>
+        <p:nvPr/>
+      </p:nvGrpSpPr>
+      <p:grpSpPr>
+        <a:xfrm>
+          <a:off x="0" y="0"/>
+          <a:ext cx="0" cy="0"/>
+          <a:chOff x="0" y="0"/>
+          <a:chExt cx="0" cy="0"/>
+        </a:xfrm>
+      </p:grpSpPr>
+      <p:sp>
+        <p:nvSpPr>
+          <p:cNvPr id="2" name="Slide Image Placeholder 1"/>
+          <p:cNvSpPr>
+            <a:spLocks noGrp="1" noRot="1" noChangeAspect="1"/>
+          </p:cNvSpPr>
+          <p:nvPr>
+            <p:ph type="sldImg"/>
+          </p:nvPr>
+        </p:nvSpPr>
+        <p:spPr/>
+      </p:sp>
+      <p:sp>
+        <p:nvSpPr>
+          <p:cNvPr id="3" name="Notes Placeholder 2"/>
+          <p:cNvSpPr>
+            <a:spLocks noGrp="1"/>
+          </p:cNvSpPr>
+          <p:nvPr>
+            <p:ph type="body" idx="1"/>
+          </p:nvPr>
+        </p:nvSpPr>
+        <p:spPr/>
+        <p:txBody>
+          <a:bodyPr>
+            <a:normAutofit/>
+          </a:bodyPr>
+          <a:lstStyle/>
+          <a:p>
+            <a:endParaRPr lang="en-US"/>
+          </a:p>
+        </p:txBody>
+      </p:sp>
+      <p:sp>
+        <p:nvSpPr>
+          <p:cNvPr id="4" name="Footer Placeholder 3"/>
+          <p:cNvSpPr>
+            <a:spLocks noGrp="1"/>
+          </p:cNvSpPr>
+          <p:nvPr>
+            <p:ph type="ftr" sz="quarter" idx="10"/>
+          </p:nvPr>
+        </p:nvSpPr>
+        <p:spPr/>
+        <p:txBody>
+          <a:bodyPr/>
+          <a:lstStyle/>
+          <a:p>
+            <a:r>
+              <a:rPr lang="en-US" smtClean="0"/>
+              <a:t>Copyright © 2003 M. E. Kabay.                                                            All rights reserved.</a:t>
+            </a:r>
+            <a:endParaRPr lang="en-US"/>
+          </a:p>
+        </p:txBody>
+      </p:sp>
+      <p:sp>
+        <p:nvSpPr>
+          <p:cNvPr id="5" name="Slide Number Placeholder 4"/>
+          <p:cNvSpPr>
+            <a:spLocks noGrp="1"/>
+          </p:cNvSpPr>
+          <p:nvPr>
+            <p:ph type="sldNum" sz="quarter" idx="11"/>
+          </p:nvPr>
+        </p:nvSpPr>
+        <p:spPr/>
+        <p:txBody>
+          <a:bodyPr/>
+          <a:lstStyle/>
+          <a:p>
+            <a:r>
+              <a:rPr lang="en-US" dirty="0" smtClean="0"/>
+              <a:t>1-</a:t>
+            </a:r>
+            <a:fld id="{80164308-5F42-4DD1-B0D4-C3692C775A93}" type="slidenum">
+              <a:rPr lang="en-US" smtClean="0"/>
+              <a:pPr/>
               <a:t>51</a:t>
             </a:fld>
             <a:endParaRPr lang="en-US" dirty="0">
@@ -4218,7 +4308,7 @@
 </p:notes>
 </file>
 
-<file path=ppt/notesSlides/notesSlide37.xml><?xml version="1.0" encoding="utf-8"?>
+<file path=ppt/notesSlides/notesSlide38.xml><?xml version="1.0" encoding="utf-8"?>
 <p:notes xmlns:a="http://schemas.openxmlformats.org/drawingml/2006/main" xmlns:r="http://schemas.openxmlformats.org/officeDocument/2006/relationships" xmlns:p="http://schemas.openxmlformats.org/presentationml/2006/main">
   <p:cSld>
     <p:spTree>
@@ -4429,7 +4519,7 @@
             <a:fld id="{80164308-5F42-4DD1-B0D4-C3692C775A93}" type="slidenum">
               <a:rPr lang="en-US" smtClean="0"/>
               <a:pPr/>
-              <a:t>19</a:t>
+              <a:t>18</a:t>
             </a:fld>
             <a:endParaRPr lang="en-US" dirty="0">
               <a:latin typeface="Times New Roman" charset="0"/>
@@ -4440,7 +4530,7 @@
     </p:spTree>
     <p:extLst>
       <p:ext uri="{BB962C8B-B14F-4D97-AF65-F5344CB8AC3E}">
-        <p14:creationId xmlns:p14="http://schemas.microsoft.com/office/powerpoint/2010/main" val="1255971013"/>
+        <p14:creationId xmlns:p14="http://schemas.microsoft.com/office/powerpoint/2010/main" val="870848874"/>
       </p:ext>
     </p:extLst>
   </p:cSld>
@@ -4545,7 +4635,7 @@
             <a:fld id="{80164308-5F42-4DD1-B0D4-C3692C775A93}" type="slidenum">
               <a:rPr lang="en-US" smtClean="0"/>
               <a:pPr/>
-              <a:t>20</a:t>
+              <a:t>19</a:t>
             </a:fld>
             <a:endParaRPr lang="en-US" dirty="0">
               <a:latin typeface="Times New Roman" charset="0"/>
@@ -4556,7 +4646,7 @@
     </p:spTree>
     <p:extLst>
       <p:ext uri="{BB962C8B-B14F-4D97-AF65-F5344CB8AC3E}">
-        <p14:creationId xmlns:p14="http://schemas.microsoft.com/office/powerpoint/2010/main" val="1488049128"/>
+        <p14:creationId xmlns:p14="http://schemas.microsoft.com/office/powerpoint/2010/main" val="1255971013"/>
       </p:ext>
     </p:extLst>
   </p:cSld>
@@ -4661,7 +4751,7 @@
             <a:fld id="{80164308-5F42-4DD1-B0D4-C3692C775A93}" type="slidenum">
               <a:rPr lang="en-US" smtClean="0"/>
               <a:pPr/>
-              <a:t>21</a:t>
+              <a:t>20</a:t>
             </a:fld>
             <a:endParaRPr lang="en-US" dirty="0">
               <a:latin typeface="Times New Roman" charset="0"/>
@@ -4672,7 +4762,7 @@
     </p:spTree>
     <p:extLst>
       <p:ext uri="{BB962C8B-B14F-4D97-AF65-F5344CB8AC3E}">
-        <p14:creationId xmlns:p14="http://schemas.microsoft.com/office/powerpoint/2010/main" val="47141334"/>
+        <p14:creationId xmlns:p14="http://schemas.microsoft.com/office/powerpoint/2010/main" val="1488049128"/>
       </p:ext>
     </p:extLst>
   </p:cSld>
@@ -4777,7 +4867,7 @@
             <a:fld id="{80164308-5F42-4DD1-B0D4-C3692C775A93}" type="slidenum">
               <a:rPr lang="en-US" smtClean="0"/>
               <a:pPr/>
-              <a:t>22</a:t>
+              <a:t>21</a:t>
             </a:fld>
             <a:endParaRPr lang="en-US" dirty="0">
               <a:latin typeface="Times New Roman" charset="0"/>
@@ -4788,7 +4878,7 @@
     </p:spTree>
     <p:extLst>
       <p:ext uri="{BB962C8B-B14F-4D97-AF65-F5344CB8AC3E}">
-        <p14:creationId xmlns:p14="http://schemas.microsoft.com/office/powerpoint/2010/main" val="2030418442"/>
+        <p14:creationId xmlns:p14="http://schemas.microsoft.com/office/powerpoint/2010/main" val="47141334"/>
       </p:ext>
     </p:extLst>
   </p:cSld>
@@ -4893,7 +4983,7 @@
             <a:fld id="{80164308-5F42-4DD1-B0D4-C3692C775A93}" type="slidenum">
               <a:rPr lang="en-US" smtClean="0"/>
               <a:pPr/>
-              <a:t>23</a:t>
+              <a:t>22</a:t>
             </a:fld>
             <a:endParaRPr lang="en-US" dirty="0">
               <a:latin typeface="Times New Roman" charset="0"/>
@@ -4904,7 +4994,7 @@
     </p:spTree>
     <p:extLst>
       <p:ext uri="{BB962C8B-B14F-4D97-AF65-F5344CB8AC3E}">
-        <p14:creationId xmlns:p14="http://schemas.microsoft.com/office/powerpoint/2010/main" val="1727603864"/>
+        <p14:creationId xmlns:p14="http://schemas.microsoft.com/office/powerpoint/2010/main" val="2030418442"/>
       </p:ext>
     </p:extLst>
   </p:cSld>
@@ -5009,7 +5099,7 @@
             <a:fld id="{80164308-5F42-4DD1-B0D4-C3692C775A93}" type="slidenum">
               <a:rPr lang="en-US" smtClean="0"/>
               <a:pPr/>
-              <a:t>24</a:t>
+              <a:t>23</a:t>
             </a:fld>
             <a:endParaRPr lang="en-US" dirty="0">
               <a:latin typeface="Times New Roman" charset="0"/>
@@ -5020,7 +5110,7 @@
     </p:spTree>
     <p:extLst>
       <p:ext uri="{BB962C8B-B14F-4D97-AF65-F5344CB8AC3E}">
-        <p14:creationId xmlns:p14="http://schemas.microsoft.com/office/powerpoint/2010/main" val="1859234808"/>
+        <p14:creationId xmlns:p14="http://schemas.microsoft.com/office/powerpoint/2010/main" val="1727603864"/>
       </p:ext>
     </p:extLst>
   </p:cSld>
@@ -9943,8 +10033,21 @@
           <a:p>
             <a:r>
               <a:rPr lang="et-EE" dirty="0" smtClean="0"/>
-              <a:t>No secret question like “mothers surname or pet name” should be ussed</a:t>
-            </a:r>
+              <a:t>No secret question like “mothers surname or pet name” should </a:t>
+            </a:r>
+            <a:r>
+              <a:rPr lang="et-EE" dirty="0" err="1" smtClean="0"/>
+              <a:t>be</a:t>
+            </a:r>
+            <a:r>
+              <a:rPr lang="et-EE" dirty="0" smtClean="0"/>
+              <a:t> </a:t>
+            </a:r>
+            <a:r>
+              <a:rPr lang="et-EE" dirty="0" err="1" smtClean="0"/>
+              <a:t>used</a:t>
+            </a:r>
+            <a:endParaRPr lang="et-EE" dirty="0" smtClean="0"/>
           </a:p>
           <a:p>
             <a:r>
@@ -10337,40 +10440,6 @@
           </a:p>
         </p:txBody>
       </p:sp>
-      <p:pic>
-        <p:nvPicPr>
-          <p:cNvPr id="4" name="Picture 3" descr="BINOCULR.JPG"/>
-          <p:cNvPicPr>
-            <a:picLocks noChangeAspect="1"/>
-          </p:cNvPicPr>
-          <p:nvPr/>
-        </p:nvPicPr>
-        <p:blipFill>
-          <a:blip r:embed="rId3" cstate="screen"/>
-          <a:stretch>
-            <a:fillRect/>
-          </a:stretch>
-        </p:blipFill>
-        <p:spPr>
-          <a:xfrm>
-            <a:off x="6629400" y="4380214"/>
-            <a:ext cx="2514600" cy="2458736"/>
-          </a:xfrm>
-          <a:prstGeom prst="rect">
-            <a:avLst/>
-          </a:prstGeom>
-          <a:ln>
-            <a:noFill/>
-          </a:ln>
-          <a:effectLst>
-            <a:outerShdw blurRad="292100" dist="139700" dir="2700000" algn="tl" rotWithShape="0">
-              <a:srgbClr val="333333">
-                <a:alpha val="65000"/>
-              </a:srgbClr>
-            </a:outerShdw>
-          </a:effectLst>
-        </p:spPr>
-      </p:pic>
     </p:spTree>
   </p:cSld>
   <p:clrMapOvr>
@@ -10437,7 +10506,7 @@
         </p:spPr>
         <p:txBody>
           <a:bodyPr>
-            <a:normAutofit fontScale="92500"/>
+            <a:normAutofit lnSpcReduction="10000"/>
           </a:bodyPr>
           <a:lstStyle/>
           <a:p>
@@ -10509,12 +10578,12 @@
           <a:p>
             <a:pPr lvl="1"/>
             <a:r>
-              <a:rPr lang="en-US" i="0" u="none" baseline="0" dirty="0" smtClean="0"/>
-              <a:t>See earlier lecture on </a:t>
-            </a:r>
-            <a:r>
               <a:rPr lang="en-US" i="1" u="none" baseline="0" dirty="0" smtClean="0"/>
-              <a:t>History of Computer Crime</a:t>
+              <a:t>History </a:t>
+            </a:r>
+            <a:r>
+              <a:rPr lang="en-US" i="1" u="none" baseline="0" dirty="0" smtClean="0"/>
+              <a:t>of Computer Crime</a:t>
             </a:r>
           </a:p>
         </p:txBody>
@@ -17435,14 +17504,18 @@
             <a:bodyPr wrap="none" anchor="ctr"/>
             <a:lstStyle/>
             <a:p>
-              <a:pPr algn="ctr"/>
+              <a:pPr algn="ctr">
+                <a:buNone/>
+              </a:pPr>
               <a:r>
                 <a:rPr lang="en-GB" dirty="0"/>
                 <a:t>Victim </a:t>
               </a:r>
             </a:p>
             <a:p>
-              <a:pPr algn="ctr"/>
+              <a:pPr algn="ctr">
+                <a:buNone/>
+              </a:pPr>
               <a:r>
                 <a:rPr lang="en-GB" dirty="0"/>
                 <a:t>identification</a:t>
@@ -17489,14 +17562,18 @@
             <a:bodyPr wrap="none" anchor="ctr"/>
             <a:lstStyle/>
             <a:p>
-              <a:pPr algn="ctr"/>
+              <a:pPr algn="ctr">
+                <a:buNone/>
+              </a:pPr>
               <a:r>
                 <a:rPr lang="en-GB" dirty="0"/>
                 <a:t>Desires</a:t>
               </a:r>
             </a:p>
             <a:p>
-              <a:pPr algn="ctr"/>
+              <a:pPr algn="ctr">
+                <a:buNone/>
+              </a:pPr>
               <a:r>
                 <a:rPr lang="en-GB" dirty="0"/>
                 <a:t>identification</a:t>
@@ -17543,14 +17620,18 @@
             <a:bodyPr wrap="none" anchor="ctr"/>
             <a:lstStyle/>
             <a:p>
-              <a:pPr algn="ctr"/>
+              <a:pPr algn="ctr">
+                <a:buNone/>
+              </a:pPr>
               <a:r>
                 <a:rPr lang="en-GB" dirty="0"/>
                 <a:t>Weakness</a:t>
               </a:r>
             </a:p>
             <a:p>
-              <a:pPr algn="ctr"/>
+              <a:pPr algn="ctr">
+                <a:buNone/>
+              </a:pPr>
               <a:r>
                 <a:rPr lang="en-GB" dirty="0"/>
                 <a:t>identification</a:t>
@@ -17598,7 +17679,7 @@
         </p:nvCxnSpPr>
         <p:spPr bwMode="auto">
           <a:xfrm rot="10800000">
-            <a:off x="3708400" y="3429000"/>
+            <a:off x="4356100" y="4127500"/>
             <a:ext cx="287338" cy="647700"/>
           </a:xfrm>
           <a:prstGeom prst="bentConnector2">
@@ -17654,7 +17735,7 @@
         </p:nvCxnSpPr>
         <p:spPr bwMode="auto">
           <a:xfrm>
-            <a:off x="4859338" y="2781300"/>
+            <a:off x="5574506" y="3416300"/>
             <a:ext cx="287337" cy="646113"/>
           </a:xfrm>
           <a:prstGeom prst="bentConnector2">
@@ -17705,6 +17786,7 @@
               <a:spcBef>
                 <a:spcPct val="50000"/>
               </a:spcBef>
+              <a:buNone/>
             </a:pPr>
             <a:r>
               <a:rPr lang="en-GB" dirty="0">
@@ -17812,9 +17894,11 @@
           <a:bodyPr wrap="none" anchor="ctr"/>
           <a:lstStyle/>
           <a:p>
-            <a:pPr algn="ctr"/>
-            <a:r>
-              <a:rPr lang="en-GB"/>
+            <a:pPr algn="ctr">
+              <a:buNone/>
+            </a:pPr>
+            <a:r>
+              <a:rPr lang="en-GB" dirty="0"/>
               <a:t>Reward</a:t>
             </a:r>
           </a:p>
@@ -17859,14 +17943,18 @@
           <a:bodyPr wrap="none" anchor="ctr"/>
           <a:lstStyle/>
           <a:p>
-            <a:pPr algn="ctr"/>
+            <a:pPr algn="ctr">
+              <a:buNone/>
+            </a:pPr>
             <a:r>
               <a:rPr lang="en-GB" dirty="0"/>
               <a:t>Attack type Vs. </a:t>
             </a:r>
           </a:p>
           <a:p>
-            <a:pPr algn="ctr"/>
+            <a:pPr algn="ctr">
+              <a:buNone/>
+            </a:pPr>
             <a:r>
               <a:rPr lang="en-GB" dirty="0"/>
               <a:t>Victim Desires (Stage 1)</a:t>
@@ -17914,7 +18002,7 @@
         <p:spPr bwMode="auto">
           <a:xfrm>
             <a:off x="762000" y="2311400"/>
-            <a:ext cx="2232025" cy="457200"/>
+            <a:ext cx="2232025" cy="523220"/>
           </a:xfrm>
           <a:prstGeom prst="rect">
             <a:avLst/>
@@ -17937,6 +18025,7 @@
               <a:spcBef>
                 <a:spcPct val="50000"/>
               </a:spcBef>
+              <a:buNone/>
             </a:pPr>
             <a:r>
               <a:rPr lang="en-GB" dirty="0"/>
@@ -18042,14 +18131,18 @@
           <a:bodyPr wrap="none" anchor="ctr"/>
           <a:lstStyle/>
           <a:p>
-            <a:pPr algn="ctr"/>
+            <a:pPr algn="ctr">
+              <a:buNone/>
+            </a:pPr>
             <a:r>
               <a:rPr lang="en-GB" dirty="0"/>
               <a:t>Attack type</a:t>
             </a:r>
           </a:p>
           <a:p>
-            <a:pPr algn="ctr"/>
+            <a:pPr algn="ctr">
+              <a:buNone/>
+            </a:pPr>
             <a:r>
               <a:rPr lang="en-GB" dirty="0"/>
               <a:t>identification</a:t>
@@ -18166,14 +18259,18 @@
             <a:bodyPr wrap="none" anchor="ctr"/>
             <a:lstStyle/>
             <a:p>
-              <a:pPr algn="ctr"/>
+              <a:pPr algn="ctr">
+                <a:buNone/>
+              </a:pPr>
               <a:r>
                 <a:rPr lang="en-GB" dirty="0"/>
                 <a:t>Stage 1</a:t>
               </a:r>
             </a:p>
             <a:p>
-              <a:pPr algn="ctr"/>
+              <a:pPr algn="ctr">
+                <a:buNone/>
+              </a:pPr>
               <a:r>
                 <a:rPr lang="en-GB" dirty="0"/>
                 <a:t>knowledge</a:t>
@@ -18220,14 +18317,18 @@
             <a:bodyPr wrap="none" anchor="ctr"/>
             <a:lstStyle/>
             <a:p>
-              <a:pPr algn="ctr"/>
+              <a:pPr algn="ctr">
+                <a:buNone/>
+              </a:pPr>
               <a:r>
                 <a:rPr lang="en-GB" dirty="0"/>
                 <a:t>Stage 2</a:t>
               </a:r>
             </a:p>
             <a:p>
-              <a:pPr algn="ctr"/>
+              <a:pPr algn="ctr">
+                <a:buNone/>
+              </a:pPr>
               <a:r>
                 <a:rPr lang="en-GB" dirty="0"/>
                 <a:t>knowledge</a:t>
@@ -18337,7 +18438,9 @@
             <a:bodyPr wrap="none" anchor="ctr"/>
             <a:lstStyle/>
             <a:p>
-              <a:pPr algn="ctr"/>
+              <a:pPr algn="ctr">
+                <a:buNone/>
+              </a:pPr>
               <a:r>
                 <a:rPr lang="en-GB" dirty="0"/>
                 <a:t>Reward Vs. Risk</a:t>
@@ -18384,21 +18487,27 @@
             <a:bodyPr wrap="none" anchor="ctr"/>
             <a:lstStyle/>
             <a:p>
-              <a:pPr algn="ctr"/>
+              <a:pPr algn="ctr">
+                <a:buNone/>
+              </a:pPr>
               <a:r>
                 <a:rPr lang="en-GB" dirty="0"/>
                 <a:t>Risk &gt; reward</a:t>
               </a:r>
             </a:p>
             <a:p>
-              <a:pPr algn="ctr"/>
+              <a:pPr algn="ctr">
+                <a:buNone/>
+              </a:pPr>
               <a:r>
                 <a:rPr lang="en-GB" dirty="0"/>
                 <a:t>Move back</a:t>
               </a:r>
             </a:p>
             <a:p>
-              <a:pPr algn="ctr"/>
+              <a:pPr algn="ctr">
+                <a:buNone/>
+              </a:pPr>
               <a:r>
                 <a:rPr lang="en-GB" dirty="0"/>
                 <a:t> to stage 1</a:t>
@@ -18474,14 +18583,18 @@
             <a:bodyPr wrap="none" anchor="ctr"/>
             <a:lstStyle/>
             <a:p>
-              <a:pPr algn="ctr"/>
+              <a:pPr algn="ctr">
+                <a:buNone/>
+              </a:pPr>
               <a:r>
                 <a:rPr lang="en-GB" dirty="0"/>
                 <a:t>Risk &lt; reward</a:t>
               </a:r>
             </a:p>
             <a:p>
-              <a:pPr algn="ctr"/>
+              <a:pPr algn="ctr">
+                <a:buNone/>
+              </a:pPr>
               <a:r>
                 <a:rPr lang="en-GB" dirty="0"/>
                 <a:t>Proceed to 1</a:t>
@@ -18492,7 +18605,9 @@
               </a:r>
             </a:p>
             <a:p>
-              <a:pPr algn="ctr"/>
+              <a:pPr algn="ctr">
+                <a:buNone/>
+              </a:pPr>
               <a:r>
                 <a:rPr lang="en-GB" dirty="0"/>
                 <a:t>contact</a:t>
@@ -18541,7 +18656,7 @@
         <p:spPr bwMode="auto">
           <a:xfrm>
             <a:off x="762000" y="3863975"/>
-            <a:ext cx="2232025" cy="457200"/>
+            <a:ext cx="2232025" cy="523220"/>
           </a:xfrm>
           <a:prstGeom prst="rect">
             <a:avLst/>
@@ -18564,6 +18679,7 @@
               <a:spcBef>
                 <a:spcPct val="50000"/>
               </a:spcBef>
+              <a:buNone/>
             </a:pPr>
             <a:r>
               <a:rPr lang="en-GB" dirty="0"/>
